--- a/ppt/C_Michael_Consumer_Complaints_V2.pptx
+++ b/ppt/C_Michael_Consumer_Complaints_V2.pptx
@@ -203,7 +203,7 @@
           <a:p>
             <a:fld id="{29FEB125-1DA6-1C4B-8D75-AE5544B8A040}" type="datetimeFigureOut">
               <a:rPr lang="en-US" smtClean="0"/>
-              <a:t>8/10/16</a:t>
+              <a:t>8/15/16</a:t>
             </a:fld>
             <a:endParaRPr lang="en-US"/>
           </a:p>
@@ -1421,7 +1421,7 @@
             <a:fld id="{08B9EBBA-996F-894A-B54A-D6246ED52CEA}" type="datetimeFigureOut">
               <a:rPr lang="en-US" smtClean="0"/>
               <a:pPr/>
-              <a:t>8/10/16</a:t>
+              <a:t>8/15/16</a:t>
             </a:fld>
             <a:endParaRPr lang="en-US" dirty="0"/>
           </a:p>
@@ -1593,7 +1593,7 @@
             <a:fld id="{C6C52C72-DE31-F449-A4ED-4C594FD91407}" type="datetimeFigureOut">
               <a:rPr lang="en-US" smtClean="0"/>
               <a:pPr/>
-              <a:t>8/10/16</a:t>
+              <a:t>8/15/16</a:t>
             </a:fld>
             <a:endParaRPr lang="en-US" dirty="0"/>
           </a:p>
@@ -1775,7 +1775,7 @@
             <a:fld id="{ED62726E-379B-B349-9EED-81ED093FA806}" type="datetimeFigureOut">
               <a:rPr lang="en-US" smtClean="0"/>
               <a:pPr/>
-              <a:t>8/10/16</a:t>
+              <a:t>8/15/16</a:t>
             </a:fld>
             <a:endParaRPr lang="en-US" dirty="0"/>
           </a:p>
@@ -1947,7 +1947,7 @@
             <a:fld id="{9B3A1323-8D79-1946-B0D7-40001CF92E9D}" type="datetimeFigureOut">
               <a:rPr lang="en-US" smtClean="0"/>
               <a:pPr/>
-              <a:t>8/10/16</a:t>
+              <a:t>8/15/16</a:t>
             </a:fld>
             <a:endParaRPr lang="en-US" dirty="0"/>
           </a:p>
@@ -2217,7 +2217,7 @@
             <a:fld id="{8DFA1846-DA80-1C48-A609-854EA85C59AD}" type="datetimeFigureOut">
               <a:rPr lang="en-US" smtClean="0"/>
               <a:pPr/>
-              <a:t>8/10/16</a:t>
+              <a:t>8/15/16</a:t>
             </a:fld>
             <a:endParaRPr lang="en-US" dirty="0"/>
           </a:p>
@@ -2451,7 +2451,7 @@
             <a:fld id="{57302355-E14B-8545-A8F8-0FE83CC9D524}" type="datetimeFigureOut">
               <a:rPr lang="en-US" smtClean="0"/>
               <a:pPr/>
-              <a:t>8/10/16</a:t>
+              <a:t>8/15/16</a:t>
             </a:fld>
             <a:endParaRPr lang="en-US" dirty="0"/>
           </a:p>
@@ -2812,7 +2812,7 @@
             <a:fld id="{02640F58-564D-2B4F-AE67-E407BA4FCF45}" type="datetimeFigureOut">
               <a:rPr lang="en-US" smtClean="0"/>
               <a:pPr/>
-              <a:t>8/10/16</a:t>
+              <a:t>8/15/16</a:t>
             </a:fld>
             <a:endParaRPr lang="en-US" dirty="0"/>
           </a:p>
@@ -2955,7 +2955,7 @@
             <a:fld id="{F13A34C8-038E-2045-AF43-DF7DBB8E0E9E}" type="datetimeFigureOut">
               <a:rPr lang="en-US" smtClean="0"/>
               <a:pPr/>
-              <a:t>8/10/16</a:t>
+              <a:t>8/15/16</a:t>
             </a:fld>
             <a:endParaRPr lang="en-US" dirty="0"/>
           </a:p>
@@ -3052,7 +3052,7 @@
             <a:fld id="{8818C68F-D26B-8F47-958C-23B49CF8A634}" type="datetimeFigureOut">
               <a:rPr lang="en-US" smtClean="0"/>
               <a:pPr/>
-              <a:t>8/10/16</a:t>
+              <a:t>8/15/16</a:t>
             </a:fld>
             <a:endParaRPr lang="en-US" dirty="0"/>
           </a:p>
@@ -3411,7 +3411,7 @@
             <a:fld id="{D0DF5E60-9974-AC48-9591-99C2BB44B7CF}" type="datetimeFigureOut">
               <a:rPr lang="en-US" smtClean="0"/>
               <a:pPr/>
-              <a:t>8/10/16</a:t>
+              <a:t>8/15/16</a:t>
             </a:fld>
             <a:endParaRPr lang="en-US" dirty="0"/>
           </a:p>
@@ -3770,7 +3770,7 @@
             <a:fld id="{18C79C5D-2A6F-F04D-97DA-BEF2467B64E4}" type="datetimeFigureOut">
               <a:rPr lang="en-US" smtClean="0"/>
               <a:pPr/>
-              <a:t>8/10/16</a:t>
+              <a:t>8/15/16</a:t>
             </a:fld>
             <a:endParaRPr lang="en-US" dirty="0"/>
           </a:p>
@@ -4013,7 +4013,7 @@
             <a:fld id="{09B482E8-6E0E-1B4F-B1FD-C69DB9E858D9}" type="datetimeFigureOut">
               <a:rPr lang="en-US" smtClean="0"/>
               <a:pPr/>
-              <a:t>8/10/16</a:t>
+              <a:t>8/15/16</a:t>
             </a:fld>
             <a:endParaRPr lang="en-US" dirty="0"/>
           </a:p>
@@ -4910,11 +4910,7 @@
             </a:pPr>
             <a:r>
               <a:rPr lang="en-US" sz="2400" dirty="0" smtClean="0"/>
-              <a:t>Data is imbalanced (80% “No Relief”, 20% “Relief Provided</a:t>
-            </a:r>
-            <a:r>
-              <a:rPr lang="en-US" sz="2400" dirty="0" smtClean="0"/>
-              <a:t>”)</a:t>
+              <a:t>Data is imbalanced (80% “No Relief”, 20% “Relief Provided”)</a:t>
             </a:r>
             <a:endParaRPr lang="en-US" sz="2200" dirty="0">
               <a:solidFill>
@@ -5090,7 +5086,7 @@
           <p:nvPr>
             <p:extLst>
               <p:ext uri="{D42A27DB-BD31-4B8C-83A1-F6EECF244321}">
-                <p14:modId xmlns:p14="http://schemas.microsoft.com/office/powerpoint/2010/main" val="1667618328"/>
+                <p14:modId xmlns:p14="http://schemas.microsoft.com/office/powerpoint/2010/main" val="817519109"/>
               </p:ext>
             </p:extLst>
           </p:nvPr>
